--- a/FindMyFit.pptx
+++ b/FindMyFit.pptx
@@ -114,6 +114,11 @@
       </a:defRPr>
     </a:lvl9pPr>
   </p:defaultTextStyle>
+  <p:extLst>
+    <p:ext uri="{EFAFB233-063F-42B5-8137-9DF3F51BA10A}">
+      <p15:sldGuideLst xmlns:p15="http://schemas.microsoft.com/office/powerpoint/2012/main"/>
+    </p:ext>
+  </p:extLst>
 </p:presentation>
 </file>
 
@@ -8347,7 +8352,7 @@
           <a:p>
             <a:fld id="{4BE5EC41-C696-4366-BB8D-AC0B7F3A55D6}" type="datetimeFigureOut">
               <a:rPr lang="en-US" smtClean="0"/>
-              <a:t>7/27/2019</a:t>
+              <a:t>7/30/2019</a:t>
             </a:fld>
             <a:endParaRPr lang="en-US"/>
           </a:p>
@@ -8545,7 +8550,7 @@
           <a:p>
             <a:fld id="{4BE5EC41-C696-4366-BB8D-AC0B7F3A55D6}" type="datetimeFigureOut">
               <a:rPr lang="en-US" smtClean="0"/>
-              <a:t>7/27/2019</a:t>
+              <a:t>7/30/2019</a:t>
             </a:fld>
             <a:endParaRPr lang="en-US"/>
           </a:p>
@@ -8753,7 +8758,7 @@
           <a:p>
             <a:fld id="{4BE5EC41-C696-4366-BB8D-AC0B7F3A55D6}" type="datetimeFigureOut">
               <a:rPr lang="en-US" smtClean="0"/>
-              <a:t>7/27/2019</a:t>
+              <a:t>7/30/2019</a:t>
             </a:fld>
             <a:endParaRPr lang="en-US"/>
           </a:p>
@@ -8951,7 +8956,7 @@
           <a:p>
             <a:fld id="{4BE5EC41-C696-4366-BB8D-AC0B7F3A55D6}" type="datetimeFigureOut">
               <a:rPr lang="en-US" smtClean="0"/>
-              <a:t>7/27/2019</a:t>
+              <a:t>7/30/2019</a:t>
             </a:fld>
             <a:endParaRPr lang="en-US"/>
           </a:p>
@@ -9226,7 +9231,7 @@
           <a:p>
             <a:fld id="{4BE5EC41-C696-4366-BB8D-AC0B7F3A55D6}" type="datetimeFigureOut">
               <a:rPr lang="en-US" smtClean="0"/>
-              <a:t>7/27/2019</a:t>
+              <a:t>7/30/2019</a:t>
             </a:fld>
             <a:endParaRPr lang="en-US"/>
           </a:p>
@@ -9491,7 +9496,7 @@
           <a:p>
             <a:fld id="{4BE5EC41-C696-4366-BB8D-AC0B7F3A55D6}" type="datetimeFigureOut">
               <a:rPr lang="en-US" smtClean="0"/>
-              <a:t>7/27/2019</a:t>
+              <a:t>7/30/2019</a:t>
             </a:fld>
             <a:endParaRPr lang="en-US"/>
           </a:p>
@@ -9903,7 +9908,7 @@
           <a:p>
             <a:fld id="{4BE5EC41-C696-4366-BB8D-AC0B7F3A55D6}" type="datetimeFigureOut">
               <a:rPr lang="en-US" smtClean="0"/>
-              <a:t>7/27/2019</a:t>
+              <a:t>7/30/2019</a:t>
             </a:fld>
             <a:endParaRPr lang="en-US"/>
           </a:p>
@@ -10044,7 +10049,7 @@
           <a:p>
             <a:fld id="{4BE5EC41-C696-4366-BB8D-AC0B7F3A55D6}" type="datetimeFigureOut">
               <a:rPr lang="en-US" smtClean="0"/>
-              <a:t>7/27/2019</a:t>
+              <a:t>7/30/2019</a:t>
             </a:fld>
             <a:endParaRPr lang="en-US"/>
           </a:p>
@@ -10157,7 +10162,7 @@
           <a:p>
             <a:fld id="{4BE5EC41-C696-4366-BB8D-AC0B7F3A55D6}" type="datetimeFigureOut">
               <a:rPr lang="en-US" smtClean="0"/>
-              <a:t>7/27/2019</a:t>
+              <a:t>7/30/2019</a:t>
             </a:fld>
             <a:endParaRPr lang="en-US"/>
           </a:p>
@@ -10468,7 +10473,7 @@
           <a:p>
             <a:fld id="{4BE5EC41-C696-4366-BB8D-AC0B7F3A55D6}" type="datetimeFigureOut">
               <a:rPr lang="en-US" smtClean="0"/>
-              <a:t>7/27/2019</a:t>
+              <a:t>7/30/2019</a:t>
             </a:fld>
             <a:endParaRPr lang="en-US"/>
           </a:p>
@@ -10756,7 +10761,7 @@
           <a:p>
             <a:fld id="{4BE5EC41-C696-4366-BB8D-AC0B7F3A55D6}" type="datetimeFigureOut">
               <a:rPr lang="en-US" smtClean="0"/>
-              <a:t>7/27/2019</a:t>
+              <a:t>7/30/2019</a:t>
             </a:fld>
             <a:endParaRPr lang="en-US"/>
           </a:p>
@@ -10997,7 +11002,7 @@
           <a:p>
             <a:fld id="{4BE5EC41-C696-4366-BB8D-AC0B7F3A55D6}" type="datetimeFigureOut">
               <a:rPr lang="en-US" smtClean="0"/>
-              <a:t>7/27/2019</a:t>
+              <a:t>7/30/2019</a:t>
             </a:fld>
             <a:endParaRPr lang="en-US"/>
           </a:p>
@@ -12002,6 +12007,9 @@
   <p:clrMapOvr>
     <a:masterClrMapping/>
   </p:clrMapOvr>
+  <p:transition spd="med">
+    <p:pull/>
+  </p:transition>
 </p:sld>
 </file>
 
@@ -12111,6 +12119,9 @@
   <p:clrMapOvr>
     <a:masterClrMapping/>
   </p:clrMapOvr>
+  <p:transition spd="med">
+    <p:pull/>
+  </p:transition>
 </p:sld>
 </file>
 
@@ -12289,6 +12300,9 @@
   <p:clrMapOvr>
     <a:masterClrMapping/>
   </p:clrMapOvr>
+  <p:transition spd="med">
+    <p:pull/>
+  </p:transition>
 </p:sld>
 </file>
 
@@ -12439,6 +12453,9 @@
   <p:clrMapOvr>
     <a:masterClrMapping/>
   </p:clrMapOvr>
+  <p:transition spd="med">
+    <p:pull/>
+  </p:transition>
 </p:sld>
 </file>
 
@@ -12582,6 +12599,9 @@
   <p:clrMapOvr>
     <a:masterClrMapping/>
   </p:clrMapOvr>
+  <p:transition spd="med">
+    <p:pull/>
+  </p:transition>
 </p:sld>
 </file>
 
@@ -12744,6 +12764,9 @@
   <p:clrMapOvr>
     <a:masterClrMapping/>
   </p:clrMapOvr>
+  <p:transition spd="med">
+    <p:pull/>
+  </p:transition>
 </p:sld>
 </file>
 
@@ -12858,6 +12881,9 @@
   <p:clrMapOvr>
     <a:masterClrMapping/>
   </p:clrMapOvr>
+  <p:transition spd="med">
+    <p:pull/>
+  </p:transition>
   <p:timing>
     <p:tnLst>
       <p:par>
@@ -13240,6 +13266,9 @@
   <p:clrMapOvr>
     <a:masterClrMapping/>
   </p:clrMapOvr>
+  <p:transition spd="med">
+    <p:pull/>
+  </p:transition>
   <p:timing>
     <p:tnLst>
       <p:par>
@@ -13609,6 +13638,107 @@
                 <a:spcPct val="70000"/>
               </a:lnSpc>
             </a:pPr>
+            <a:endParaRPr lang="en-US" dirty="0">
+              <a:hlinkClick r:id="rId2"/>
+            </a:endParaRPr>
+          </a:p>
+          <a:p>
+            <a:pPr algn="just">
+              <a:lnSpc>
+                <a:spcPct val="70000"/>
+              </a:lnSpc>
+            </a:pPr>
+            <a:endParaRPr lang="en-US" dirty="0">
+              <a:hlinkClick r:id="rId2"/>
+            </a:endParaRPr>
+          </a:p>
+          <a:p>
+            <a:pPr algn="just">
+              <a:lnSpc>
+                <a:spcPct val="70000"/>
+              </a:lnSpc>
+            </a:pPr>
+            <a:endParaRPr lang="en-US" dirty="0">
+              <a:hlinkClick r:id="rId2"/>
+            </a:endParaRPr>
+          </a:p>
+          <a:p>
+            <a:pPr algn="just">
+              <a:lnSpc>
+                <a:spcPct val="70000"/>
+              </a:lnSpc>
+            </a:pPr>
+            <a:endParaRPr lang="en-US" dirty="0">
+              <a:hlinkClick r:id="rId2"/>
+            </a:endParaRPr>
+          </a:p>
+          <a:p>
+            <a:pPr algn="just">
+              <a:lnSpc>
+                <a:spcPct val="70000"/>
+              </a:lnSpc>
+            </a:pPr>
+            <a:endParaRPr lang="en-US" dirty="0">
+              <a:hlinkClick r:id="rId2"/>
+            </a:endParaRPr>
+          </a:p>
+          <a:p>
+            <a:pPr marL="0" indent="0" algn="ctr">
+              <a:lnSpc>
+                <a:spcPct val="70000"/>
+              </a:lnSpc>
+              <a:buNone/>
+            </a:pPr>
+            <a:endParaRPr lang="en-US" dirty="0">
+              <a:hlinkClick r:id="rId2"/>
+            </a:endParaRPr>
+          </a:p>
+          <a:p>
+            <a:pPr marL="0" indent="0" algn="ctr">
+              <a:lnSpc>
+                <a:spcPct val="70000"/>
+              </a:lnSpc>
+              <a:buNone/>
+            </a:pPr>
+            <a:endParaRPr lang="en-US" dirty="0">
+              <a:hlinkClick r:id="rId2"/>
+            </a:endParaRPr>
+          </a:p>
+          <a:p>
+            <a:pPr marL="0" indent="0" algn="ctr">
+              <a:lnSpc>
+                <a:spcPct val="70000"/>
+              </a:lnSpc>
+              <a:buNone/>
+            </a:pPr>
+            <a:endParaRPr lang="en-US" dirty="0">
+              <a:hlinkClick r:id="rId2"/>
+            </a:endParaRPr>
+          </a:p>
+          <a:p>
+            <a:pPr marL="0" indent="0" algn="ctr">
+              <a:lnSpc>
+                <a:spcPct val="70000"/>
+              </a:lnSpc>
+              <a:buNone/>
+            </a:pPr>
+            <a:endParaRPr lang="en-US" dirty="0">
+              <a:hlinkClick r:id="rId2"/>
+            </a:endParaRPr>
+          </a:p>
+          <a:p>
+            <a:pPr marL="0" indent="0" algn="ctr">
+              <a:lnSpc>
+                <a:spcPct val="70000"/>
+              </a:lnSpc>
+              <a:buNone/>
+            </a:pPr>
+            <a:r>
+              <a:rPr lang="en-US" dirty="0">
+                <a:hlinkClick r:id="rId2"/>
+              </a:rPr>
+              <a:t>https://ryanweingart.github.io/Group-Project-1/</a:t>
+            </a:r>
             <a:endParaRPr lang="en-US" sz="3000" dirty="0">
               <a:solidFill>
                 <a:srgbClr val="8FA5CF"/>
@@ -13617,6 +13747,42 @@
           </a:p>
         </p:txBody>
       </p:sp>
+      <p:pic>
+        <p:nvPicPr>
+          <p:cNvPr id="6" name="Picture 5" descr="A screenshot of a cell phone&#10;&#10;Description automatically generated">
+            <a:extLst>
+              <a:ext uri="{FF2B5EF4-FFF2-40B4-BE49-F238E27FC236}">
+                <a16:creationId xmlns:a16="http://schemas.microsoft.com/office/drawing/2014/main" id="{308368BC-A58A-483F-9050-980FD54CAB39}"/>
+              </a:ext>
+            </a:extLst>
+          </p:cNvPr>
+          <p:cNvPicPr>
+            <a:picLocks noChangeAspect="1"/>
+          </p:cNvPicPr>
+          <p:nvPr/>
+        </p:nvPicPr>
+        <p:blipFill>
+          <a:blip r:embed="rId3">
+            <a:extLst>
+              <a:ext uri="{28A0092B-C50C-407E-A947-70E740481C1C}">
+                <a14:useLocalDpi xmlns:a14="http://schemas.microsoft.com/office/drawing/2010/main" val="0"/>
+              </a:ext>
+            </a:extLst>
+          </a:blip>
+          <a:stretch>
+            <a:fillRect/>
+          </a:stretch>
+        </p:blipFill>
+        <p:spPr>
+          <a:xfrm>
+            <a:off x="2452179" y="1461052"/>
+            <a:ext cx="7287642" cy="3827228"/>
+          </a:xfrm>
+          <a:prstGeom prst="rect">
+            <a:avLst/>
+          </a:prstGeom>
+        </p:spPr>
+      </p:pic>
     </p:spTree>
     <p:extLst>
       <p:ext uri="{BB962C8B-B14F-4D97-AF65-F5344CB8AC3E}">
@@ -13627,6 +13793,9 @@
   <p:clrMapOvr>
     <a:masterClrMapping/>
   </p:clrMapOvr>
+  <p:transition spd="med">
+    <p:pull/>
+  </p:transition>
 </p:sld>
 </file>
 
@@ -13785,6 +13954,9 @@
   <p:clrMapOvr>
     <a:masterClrMapping/>
   </p:clrMapOvr>
+  <p:transition spd="med">
+    <p:pull/>
+  </p:transition>
 </p:sld>
 </file>
 
@@ -13884,6 +14056,412 @@
   <p:clrMapOvr>
     <a:masterClrMapping/>
   </p:clrMapOvr>
+  <p:transition spd="med">
+    <p:pull/>
+  </p:transition>
+  <p:timing>
+    <p:tnLst>
+      <p:par>
+        <p:cTn id="1" dur="indefinite" restart="never" nodeType="tmRoot">
+          <p:childTnLst>
+            <p:seq concurrent="1" nextAc="seek">
+              <p:cTn id="2" dur="indefinite" nodeType="mainSeq">
+                <p:childTnLst>
+                  <p:par>
+                    <p:cTn id="3" fill="hold">
+                      <p:stCondLst>
+                        <p:cond delay="indefinite"/>
+                      </p:stCondLst>
+                      <p:childTnLst>
+                        <p:par>
+                          <p:cTn id="4" fill="hold">
+                            <p:stCondLst>
+                              <p:cond delay="0"/>
+                            </p:stCondLst>
+                            <p:childTnLst>
+                              <p:par>
+                                <p:cTn id="5" presetID="10" presetClass="entr" presetSubtype="0" fill="hold" grpId="0" nodeType="clickEffect">
+                                  <p:stCondLst>
+                                    <p:cond delay="0"/>
+                                  </p:stCondLst>
+                                  <p:childTnLst>
+                                    <p:set>
+                                      <p:cBhvr>
+                                        <p:cTn id="6" dur="1" fill="hold">
+                                          <p:stCondLst>
+                                            <p:cond delay="0"/>
+                                          </p:stCondLst>
+                                        </p:cTn>
+                                        <p:tgtEl>
+                                          <p:spTgt spid="4">
+                                            <p:graphicEl>
+                                              <a:dgm id="{3BB2A1E7-E565-43BA-A695-E09670409FBD}"/>
+                                            </p:graphicEl>
+                                          </p:spTgt>
+                                        </p:tgtEl>
+                                        <p:attrNameLst>
+                                          <p:attrName>style.visibility</p:attrName>
+                                        </p:attrNameLst>
+                                      </p:cBhvr>
+                                      <p:to>
+                                        <p:strVal val="visible"/>
+                                      </p:to>
+                                    </p:set>
+                                    <p:animEffect transition="in" filter="fade">
+                                      <p:cBhvr>
+                                        <p:cTn id="7" dur="500"/>
+                                        <p:tgtEl>
+                                          <p:spTgt spid="4">
+                                            <p:graphicEl>
+                                              <a:dgm id="{3BB2A1E7-E565-43BA-A695-E09670409FBD}"/>
+                                            </p:graphicEl>
+                                          </p:spTgt>
+                                        </p:tgtEl>
+                                      </p:cBhvr>
+                                    </p:animEffect>
+                                  </p:childTnLst>
+                                </p:cTn>
+                              </p:par>
+                            </p:childTnLst>
+                          </p:cTn>
+                        </p:par>
+                      </p:childTnLst>
+                    </p:cTn>
+                  </p:par>
+                  <p:par>
+                    <p:cTn id="8" fill="hold">
+                      <p:stCondLst>
+                        <p:cond delay="indefinite"/>
+                      </p:stCondLst>
+                      <p:childTnLst>
+                        <p:par>
+                          <p:cTn id="9" fill="hold">
+                            <p:stCondLst>
+                              <p:cond delay="0"/>
+                            </p:stCondLst>
+                            <p:childTnLst>
+                              <p:par>
+                                <p:cTn id="10" presetID="10" presetClass="entr" presetSubtype="0" fill="hold" grpId="0" nodeType="clickEffect">
+                                  <p:stCondLst>
+                                    <p:cond delay="0"/>
+                                  </p:stCondLst>
+                                  <p:childTnLst>
+                                    <p:set>
+                                      <p:cBhvr>
+                                        <p:cTn id="11" dur="1" fill="hold">
+                                          <p:stCondLst>
+                                            <p:cond delay="0"/>
+                                          </p:stCondLst>
+                                        </p:cTn>
+                                        <p:tgtEl>
+                                          <p:spTgt spid="4">
+                                            <p:graphicEl>
+                                              <a:dgm id="{A02DA039-E8A2-4C05-8211-C0D774DA7F9B}"/>
+                                            </p:graphicEl>
+                                          </p:spTgt>
+                                        </p:tgtEl>
+                                        <p:attrNameLst>
+                                          <p:attrName>style.visibility</p:attrName>
+                                        </p:attrNameLst>
+                                      </p:cBhvr>
+                                      <p:to>
+                                        <p:strVal val="visible"/>
+                                      </p:to>
+                                    </p:set>
+                                    <p:animEffect transition="in" filter="fade">
+                                      <p:cBhvr>
+                                        <p:cTn id="12" dur="500"/>
+                                        <p:tgtEl>
+                                          <p:spTgt spid="4">
+                                            <p:graphicEl>
+                                              <a:dgm id="{A02DA039-E8A2-4C05-8211-C0D774DA7F9B}"/>
+                                            </p:graphicEl>
+                                          </p:spTgt>
+                                        </p:tgtEl>
+                                      </p:cBhvr>
+                                    </p:animEffect>
+                                  </p:childTnLst>
+                                </p:cTn>
+                              </p:par>
+                            </p:childTnLst>
+                          </p:cTn>
+                        </p:par>
+                      </p:childTnLst>
+                    </p:cTn>
+                  </p:par>
+                  <p:par>
+                    <p:cTn id="13" fill="hold">
+                      <p:stCondLst>
+                        <p:cond delay="indefinite"/>
+                      </p:stCondLst>
+                      <p:childTnLst>
+                        <p:par>
+                          <p:cTn id="14" fill="hold">
+                            <p:stCondLst>
+                              <p:cond delay="0"/>
+                            </p:stCondLst>
+                            <p:childTnLst>
+                              <p:par>
+                                <p:cTn id="15" presetID="10" presetClass="entr" presetSubtype="0" fill="hold" grpId="0" nodeType="clickEffect">
+                                  <p:stCondLst>
+                                    <p:cond delay="0"/>
+                                  </p:stCondLst>
+                                  <p:childTnLst>
+                                    <p:set>
+                                      <p:cBhvr>
+                                        <p:cTn id="16" dur="1" fill="hold">
+                                          <p:stCondLst>
+                                            <p:cond delay="0"/>
+                                          </p:stCondLst>
+                                        </p:cTn>
+                                        <p:tgtEl>
+                                          <p:spTgt spid="4">
+                                            <p:graphicEl>
+                                              <a:dgm id="{F9601BFA-5C83-4749-9265-647162C1388F}"/>
+                                            </p:graphicEl>
+                                          </p:spTgt>
+                                        </p:tgtEl>
+                                        <p:attrNameLst>
+                                          <p:attrName>style.visibility</p:attrName>
+                                        </p:attrNameLst>
+                                      </p:cBhvr>
+                                      <p:to>
+                                        <p:strVal val="visible"/>
+                                      </p:to>
+                                    </p:set>
+                                    <p:animEffect transition="in" filter="fade">
+                                      <p:cBhvr>
+                                        <p:cTn id="17" dur="500"/>
+                                        <p:tgtEl>
+                                          <p:spTgt spid="4">
+                                            <p:graphicEl>
+                                              <a:dgm id="{F9601BFA-5C83-4749-9265-647162C1388F}"/>
+                                            </p:graphicEl>
+                                          </p:spTgt>
+                                        </p:tgtEl>
+                                      </p:cBhvr>
+                                    </p:animEffect>
+                                  </p:childTnLst>
+                                </p:cTn>
+                              </p:par>
+                            </p:childTnLst>
+                          </p:cTn>
+                        </p:par>
+                      </p:childTnLst>
+                    </p:cTn>
+                  </p:par>
+                  <p:par>
+                    <p:cTn id="18" fill="hold">
+                      <p:stCondLst>
+                        <p:cond delay="indefinite"/>
+                      </p:stCondLst>
+                      <p:childTnLst>
+                        <p:par>
+                          <p:cTn id="19" fill="hold">
+                            <p:stCondLst>
+                              <p:cond delay="0"/>
+                            </p:stCondLst>
+                            <p:childTnLst>
+                              <p:par>
+                                <p:cTn id="20" presetID="10" presetClass="entr" presetSubtype="0" fill="hold" grpId="0" nodeType="clickEffect">
+                                  <p:stCondLst>
+                                    <p:cond delay="0"/>
+                                  </p:stCondLst>
+                                  <p:childTnLst>
+                                    <p:set>
+                                      <p:cBhvr>
+                                        <p:cTn id="21" dur="1" fill="hold">
+                                          <p:stCondLst>
+                                            <p:cond delay="0"/>
+                                          </p:stCondLst>
+                                        </p:cTn>
+                                        <p:tgtEl>
+                                          <p:spTgt spid="4">
+                                            <p:graphicEl>
+                                              <a:dgm id="{27180F7B-5020-41C8-898C-C97AA69C8FFB}"/>
+                                            </p:graphicEl>
+                                          </p:spTgt>
+                                        </p:tgtEl>
+                                        <p:attrNameLst>
+                                          <p:attrName>style.visibility</p:attrName>
+                                        </p:attrNameLst>
+                                      </p:cBhvr>
+                                      <p:to>
+                                        <p:strVal val="visible"/>
+                                      </p:to>
+                                    </p:set>
+                                    <p:animEffect transition="in" filter="fade">
+                                      <p:cBhvr>
+                                        <p:cTn id="22" dur="500"/>
+                                        <p:tgtEl>
+                                          <p:spTgt spid="4">
+                                            <p:graphicEl>
+                                              <a:dgm id="{27180F7B-5020-41C8-898C-C97AA69C8FFB}"/>
+                                            </p:graphicEl>
+                                          </p:spTgt>
+                                        </p:tgtEl>
+                                      </p:cBhvr>
+                                    </p:animEffect>
+                                  </p:childTnLst>
+                                </p:cTn>
+                              </p:par>
+                            </p:childTnLst>
+                          </p:cTn>
+                        </p:par>
+                      </p:childTnLst>
+                    </p:cTn>
+                  </p:par>
+                  <p:par>
+                    <p:cTn id="23" fill="hold">
+                      <p:stCondLst>
+                        <p:cond delay="indefinite"/>
+                      </p:stCondLst>
+                      <p:childTnLst>
+                        <p:par>
+                          <p:cTn id="24" fill="hold">
+                            <p:stCondLst>
+                              <p:cond delay="0"/>
+                            </p:stCondLst>
+                            <p:childTnLst>
+                              <p:par>
+                                <p:cTn id="25" presetID="10" presetClass="entr" presetSubtype="0" fill="hold" grpId="0" nodeType="clickEffect">
+                                  <p:stCondLst>
+                                    <p:cond delay="0"/>
+                                  </p:stCondLst>
+                                  <p:childTnLst>
+                                    <p:set>
+                                      <p:cBhvr>
+                                        <p:cTn id="26" dur="1" fill="hold">
+                                          <p:stCondLst>
+                                            <p:cond delay="0"/>
+                                          </p:stCondLst>
+                                        </p:cTn>
+                                        <p:tgtEl>
+                                          <p:spTgt spid="4">
+                                            <p:graphicEl>
+                                              <a:dgm id="{178E2004-D215-4C7D-9143-1D2687FBFFD2}"/>
+                                            </p:graphicEl>
+                                          </p:spTgt>
+                                        </p:tgtEl>
+                                        <p:attrNameLst>
+                                          <p:attrName>style.visibility</p:attrName>
+                                        </p:attrNameLst>
+                                      </p:cBhvr>
+                                      <p:to>
+                                        <p:strVal val="visible"/>
+                                      </p:to>
+                                    </p:set>
+                                    <p:animEffect transition="in" filter="fade">
+                                      <p:cBhvr>
+                                        <p:cTn id="27" dur="500"/>
+                                        <p:tgtEl>
+                                          <p:spTgt spid="4">
+                                            <p:graphicEl>
+                                              <a:dgm id="{178E2004-D215-4C7D-9143-1D2687FBFFD2}"/>
+                                            </p:graphicEl>
+                                          </p:spTgt>
+                                        </p:tgtEl>
+                                      </p:cBhvr>
+                                    </p:animEffect>
+                                  </p:childTnLst>
+                                </p:cTn>
+                              </p:par>
+                            </p:childTnLst>
+                          </p:cTn>
+                        </p:par>
+                      </p:childTnLst>
+                    </p:cTn>
+                  </p:par>
+                  <p:par>
+                    <p:cTn id="28" fill="hold">
+                      <p:stCondLst>
+                        <p:cond delay="indefinite"/>
+                      </p:stCondLst>
+                      <p:childTnLst>
+                        <p:par>
+                          <p:cTn id="29" fill="hold">
+                            <p:stCondLst>
+                              <p:cond delay="0"/>
+                            </p:stCondLst>
+                            <p:childTnLst>
+                              <p:par>
+                                <p:cTn id="30" presetID="10" presetClass="entr" presetSubtype="0" fill="hold" grpId="0" nodeType="clickEffect">
+                                  <p:stCondLst>
+                                    <p:cond delay="0"/>
+                                  </p:stCondLst>
+                                  <p:childTnLst>
+                                    <p:set>
+                                      <p:cBhvr>
+                                        <p:cTn id="31" dur="1" fill="hold">
+                                          <p:stCondLst>
+                                            <p:cond delay="0"/>
+                                          </p:stCondLst>
+                                        </p:cTn>
+                                        <p:tgtEl>
+                                          <p:spTgt spid="4">
+                                            <p:graphicEl>
+                                              <a:dgm id="{A3F16157-047E-4B53-9316-7AD7B208C209}"/>
+                                            </p:graphicEl>
+                                          </p:spTgt>
+                                        </p:tgtEl>
+                                        <p:attrNameLst>
+                                          <p:attrName>style.visibility</p:attrName>
+                                        </p:attrNameLst>
+                                      </p:cBhvr>
+                                      <p:to>
+                                        <p:strVal val="visible"/>
+                                      </p:to>
+                                    </p:set>
+                                    <p:animEffect transition="in" filter="fade">
+                                      <p:cBhvr>
+                                        <p:cTn id="32" dur="500"/>
+                                        <p:tgtEl>
+                                          <p:spTgt spid="4">
+                                            <p:graphicEl>
+                                              <a:dgm id="{A3F16157-047E-4B53-9316-7AD7B208C209}"/>
+                                            </p:graphicEl>
+                                          </p:spTgt>
+                                        </p:tgtEl>
+                                      </p:cBhvr>
+                                    </p:animEffect>
+                                  </p:childTnLst>
+                                </p:cTn>
+                              </p:par>
+                            </p:childTnLst>
+                          </p:cTn>
+                        </p:par>
+                      </p:childTnLst>
+                    </p:cTn>
+                  </p:par>
+                </p:childTnLst>
+              </p:cTn>
+              <p:prevCondLst>
+                <p:cond evt="onPrev" delay="0">
+                  <p:tgtEl>
+                    <p:sldTgt/>
+                  </p:tgtEl>
+                </p:cond>
+              </p:prevCondLst>
+              <p:nextCondLst>
+                <p:cond evt="onNext" delay="0">
+                  <p:tgtEl>
+                    <p:sldTgt/>
+                  </p:tgtEl>
+                </p:cond>
+              </p:nextCondLst>
+            </p:seq>
+          </p:childTnLst>
+        </p:cTn>
+      </p:par>
+    </p:tnLst>
+    <p:bldLst>
+      <p:bldGraphic spid="4" grpId="0" uiExpand="1">
+        <p:bldSub>
+          <a:bldDgm bld="one"/>
+        </p:bldSub>
+      </p:bldGraphic>
+    </p:bldLst>
+  </p:timing>
 </p:sld>
 </file>
 
